--- a/02presentation.pptx
+++ b/02presentation.pptx
@@ -5,14 +5,109 @@
     <p:sldMasterId id="2147483648" r:id="rId1"/>
   </p:sldMasterIdLst>
   <p:sldIdLst>
-    <p:sldId id="256" r:id="rId3"/>
-    <p:sldId id="257" r:id="rId4"/>
-    <p:sldId id="258" r:id="rId5"/>
-    <p:sldId id="259" r:id="rId6"/>
-    <p:sldId id="260" r:id="rId7"/>
+    <p:sldId id="256" r:id="rId2"/>
+    <p:sldId id="257" r:id="rId3"/>
+    <p:sldId id="258" r:id="rId4"/>
+    <p:sldId id="259" r:id="rId5"/>
+    <p:sldId id="260" r:id="rId6"/>
   </p:sldIdLst>
-  <p:sldSz cx="9144000" cy="6858000"/>
+  <p:sldSz cx="9144000" cy="6858000" type="screen4x3"/>
   <p:notesSz cx="6858000" cy="9144000"/>
+  <p:defaultTextStyle>
+    <a:defPPr>
+      <a:defRPr lang="en-US"/>
+    </a:defPPr>
+    <a:lvl1pPr marL="0" algn="l" defTabSz="914400" rtl="0" eaLnBrk="1" latinLnBrk="0" hangingPunct="1">
+      <a:defRPr sz="1800" kern="1200">
+        <a:solidFill>
+          <a:schemeClr val="tx1"/>
+        </a:solidFill>
+        <a:latin typeface="+mn-lt"/>
+        <a:ea typeface="+mn-ea"/>
+        <a:cs typeface="+mn-cs"/>
+      </a:defRPr>
+    </a:lvl1pPr>
+    <a:lvl2pPr marL="457200" algn="l" defTabSz="914400" rtl="0" eaLnBrk="1" latinLnBrk="0" hangingPunct="1">
+      <a:defRPr sz="1800" kern="1200">
+        <a:solidFill>
+          <a:schemeClr val="tx1"/>
+        </a:solidFill>
+        <a:latin typeface="+mn-lt"/>
+        <a:ea typeface="+mn-ea"/>
+        <a:cs typeface="+mn-cs"/>
+      </a:defRPr>
+    </a:lvl2pPr>
+    <a:lvl3pPr marL="914400" algn="l" defTabSz="914400" rtl="0" eaLnBrk="1" latinLnBrk="0" hangingPunct="1">
+      <a:defRPr sz="1800" kern="1200">
+        <a:solidFill>
+          <a:schemeClr val="tx1"/>
+        </a:solidFill>
+        <a:latin typeface="+mn-lt"/>
+        <a:ea typeface="+mn-ea"/>
+        <a:cs typeface="+mn-cs"/>
+      </a:defRPr>
+    </a:lvl3pPr>
+    <a:lvl4pPr marL="1371600" algn="l" defTabSz="914400" rtl="0" eaLnBrk="1" latinLnBrk="0" hangingPunct="1">
+      <a:defRPr sz="1800" kern="1200">
+        <a:solidFill>
+          <a:schemeClr val="tx1"/>
+        </a:solidFill>
+        <a:latin typeface="+mn-lt"/>
+        <a:ea typeface="+mn-ea"/>
+        <a:cs typeface="+mn-cs"/>
+      </a:defRPr>
+    </a:lvl4pPr>
+    <a:lvl5pPr marL="1828800" algn="l" defTabSz="914400" rtl="0" eaLnBrk="1" latinLnBrk="0" hangingPunct="1">
+      <a:defRPr sz="1800" kern="1200">
+        <a:solidFill>
+          <a:schemeClr val="tx1"/>
+        </a:solidFill>
+        <a:latin typeface="+mn-lt"/>
+        <a:ea typeface="+mn-ea"/>
+        <a:cs typeface="+mn-cs"/>
+      </a:defRPr>
+    </a:lvl5pPr>
+    <a:lvl6pPr marL="2286000" algn="l" defTabSz="914400" rtl="0" eaLnBrk="1" latinLnBrk="0" hangingPunct="1">
+      <a:defRPr sz="1800" kern="1200">
+        <a:solidFill>
+          <a:schemeClr val="tx1"/>
+        </a:solidFill>
+        <a:latin typeface="+mn-lt"/>
+        <a:ea typeface="+mn-ea"/>
+        <a:cs typeface="+mn-cs"/>
+      </a:defRPr>
+    </a:lvl6pPr>
+    <a:lvl7pPr marL="2743200" algn="l" defTabSz="914400" rtl="0" eaLnBrk="1" latinLnBrk="0" hangingPunct="1">
+      <a:defRPr sz="1800" kern="1200">
+        <a:solidFill>
+          <a:schemeClr val="tx1"/>
+        </a:solidFill>
+        <a:latin typeface="+mn-lt"/>
+        <a:ea typeface="+mn-ea"/>
+        <a:cs typeface="+mn-cs"/>
+      </a:defRPr>
+    </a:lvl7pPr>
+    <a:lvl8pPr marL="3200400" algn="l" defTabSz="914400" rtl="0" eaLnBrk="1" latinLnBrk="0" hangingPunct="1">
+      <a:defRPr sz="1800" kern="1200">
+        <a:solidFill>
+          <a:schemeClr val="tx1"/>
+        </a:solidFill>
+        <a:latin typeface="+mn-lt"/>
+        <a:ea typeface="+mn-ea"/>
+        <a:cs typeface="+mn-cs"/>
+      </a:defRPr>
+    </a:lvl8pPr>
+    <a:lvl9pPr marL="3657600" algn="l" defTabSz="914400" rtl="0" eaLnBrk="1" latinLnBrk="0" hangingPunct="1">
+      <a:defRPr sz="1800" kern="1200">
+        <a:solidFill>
+          <a:schemeClr val="tx1"/>
+        </a:solidFill>
+        <a:latin typeface="+mn-lt"/>
+        <a:ea typeface="+mn-ea"/>
+        <a:cs typeface="+mn-cs"/>
+      </a:defRPr>
+    </a:lvl9pPr>
+  </p:defaultTextStyle>
 </p:presentation>
 </file>
 
@@ -197,7 +292,7 @@
           <a:p>
             <a:fld id="{6F0DA8BB-0D18-469F-8022-DD923457DE3A}" type="datetimeFigureOut">
               <a:rPr lang="nl-BE" smtClean="0"/>
-              <a:t>16/04/2009</a:t>
+              <a:t>15/02/2017</a:t>
             </a:fld>
             <a:endParaRPr lang="nl-BE"/>
           </a:p>
@@ -239,7 +334,7 @@
           <a:p>
             <a:fld id="{B5274F97-0F13-42E5-9A1D-07478243785D}" type="slidenum">
               <a:rPr lang="nl-BE" smtClean="0"/>
-              <a:t>?#?</a:t>
+              <a:t>‹#›</a:t>
             </a:fld>
             <a:endParaRPr lang="nl-BE"/>
           </a:p>
@@ -362,7 +457,7 @@
           <a:p>
             <a:fld id="{6F0DA8BB-0D18-469F-8022-DD923457DE3A}" type="datetimeFigureOut">
               <a:rPr lang="nl-BE" smtClean="0"/>
-              <a:t>16/04/2009</a:t>
+              <a:t>15/02/2017</a:t>
             </a:fld>
             <a:endParaRPr lang="nl-BE"/>
           </a:p>
@@ -404,7 +499,7 @@
           <a:p>
             <a:fld id="{B5274F97-0F13-42E5-9A1D-07478243785D}" type="slidenum">
               <a:rPr lang="nl-BE" smtClean="0"/>
-              <a:t>?#?</a:t>
+              <a:t>‹#›</a:t>
             </a:fld>
             <a:endParaRPr lang="nl-BE"/>
           </a:p>
@@ -537,7 +632,7 @@
           <a:p>
             <a:fld id="{6F0DA8BB-0D18-469F-8022-DD923457DE3A}" type="datetimeFigureOut">
               <a:rPr lang="nl-BE" smtClean="0"/>
-              <a:t>16/04/2009</a:t>
+              <a:t>15/02/2017</a:t>
             </a:fld>
             <a:endParaRPr lang="nl-BE"/>
           </a:p>
@@ -579,7 +674,7 @@
           <a:p>
             <a:fld id="{B5274F97-0F13-42E5-9A1D-07478243785D}" type="slidenum">
               <a:rPr lang="nl-BE" smtClean="0"/>
-              <a:t>?#?</a:t>
+              <a:t>‹#›</a:t>
             </a:fld>
             <a:endParaRPr lang="nl-BE"/>
           </a:p>
@@ -702,7 +797,7 @@
           <a:p>
             <a:fld id="{6F0DA8BB-0D18-469F-8022-DD923457DE3A}" type="datetimeFigureOut">
               <a:rPr lang="nl-BE" smtClean="0"/>
-              <a:t>16/04/2009</a:t>
+              <a:t>15/02/2017</a:t>
             </a:fld>
             <a:endParaRPr lang="nl-BE"/>
           </a:p>
@@ -744,7 +839,7 @@
           <a:p>
             <a:fld id="{B5274F97-0F13-42E5-9A1D-07478243785D}" type="slidenum">
               <a:rPr lang="nl-BE" smtClean="0"/>
-              <a:t>?#?</a:t>
+              <a:t>‹#›</a:t>
             </a:fld>
             <a:endParaRPr lang="nl-BE"/>
           </a:p>
@@ -943,7 +1038,7 @@
           <a:p>
             <a:fld id="{6F0DA8BB-0D18-469F-8022-DD923457DE3A}" type="datetimeFigureOut">
               <a:rPr lang="nl-BE" smtClean="0"/>
-              <a:t>16/04/2009</a:t>
+              <a:t>15/02/2017</a:t>
             </a:fld>
             <a:endParaRPr lang="nl-BE"/>
           </a:p>
@@ -985,7 +1080,7 @@
           <a:p>
             <a:fld id="{B5274F97-0F13-42E5-9A1D-07478243785D}" type="slidenum">
               <a:rPr lang="nl-BE" smtClean="0"/>
-              <a:t>?#?</a:t>
+              <a:t>‹#›</a:t>
             </a:fld>
             <a:endParaRPr lang="nl-BE"/>
           </a:p>
@@ -1226,7 +1321,7 @@
           <a:p>
             <a:fld id="{6F0DA8BB-0D18-469F-8022-DD923457DE3A}" type="datetimeFigureOut">
               <a:rPr lang="nl-BE" smtClean="0"/>
-              <a:t>16/04/2009</a:t>
+              <a:t>15/02/2017</a:t>
             </a:fld>
             <a:endParaRPr lang="nl-BE"/>
           </a:p>
@@ -1268,7 +1363,7 @@
           <a:p>
             <a:fld id="{B5274F97-0F13-42E5-9A1D-07478243785D}" type="slidenum">
               <a:rPr lang="nl-BE" smtClean="0"/>
-              <a:t>?#?</a:t>
+              <a:t>‹#›</a:t>
             </a:fld>
             <a:endParaRPr lang="nl-BE"/>
           </a:p>
@@ -1643,7 +1738,7 @@
           <a:p>
             <a:fld id="{6F0DA8BB-0D18-469F-8022-DD923457DE3A}" type="datetimeFigureOut">
               <a:rPr lang="nl-BE" smtClean="0"/>
-              <a:t>16/04/2009</a:t>
+              <a:t>15/02/2017</a:t>
             </a:fld>
             <a:endParaRPr lang="nl-BE"/>
           </a:p>
@@ -1685,7 +1780,7 @@
           <a:p>
             <a:fld id="{B5274F97-0F13-42E5-9A1D-07478243785D}" type="slidenum">
               <a:rPr lang="nl-BE" smtClean="0"/>
-              <a:t>?#?</a:t>
+              <a:t>‹#›</a:t>
             </a:fld>
             <a:endParaRPr lang="nl-BE"/>
           </a:p>
@@ -1756,7 +1851,7 @@
           <a:p>
             <a:fld id="{6F0DA8BB-0D18-469F-8022-DD923457DE3A}" type="datetimeFigureOut">
               <a:rPr lang="nl-BE" smtClean="0"/>
-              <a:t>16/04/2009</a:t>
+              <a:t>15/02/2017</a:t>
             </a:fld>
             <a:endParaRPr lang="nl-BE"/>
           </a:p>
@@ -1798,7 +1893,7 @@
           <a:p>
             <a:fld id="{B5274F97-0F13-42E5-9A1D-07478243785D}" type="slidenum">
               <a:rPr lang="nl-BE" smtClean="0"/>
-              <a:t>?#?</a:t>
+              <a:t>‹#›</a:t>
             </a:fld>
             <a:endParaRPr lang="nl-BE"/>
           </a:p>
@@ -1846,7 +1941,7 @@
           <a:p>
             <a:fld id="{6F0DA8BB-0D18-469F-8022-DD923457DE3A}" type="datetimeFigureOut">
               <a:rPr lang="nl-BE" smtClean="0"/>
-              <a:t>16/04/2009</a:t>
+              <a:t>15/02/2017</a:t>
             </a:fld>
             <a:endParaRPr lang="nl-BE"/>
           </a:p>
@@ -1888,7 +1983,7 @@
           <a:p>
             <a:fld id="{B5274F97-0F13-42E5-9A1D-07478243785D}" type="slidenum">
               <a:rPr lang="nl-BE" smtClean="0"/>
-              <a:t>?#?</a:t>
+              <a:t>‹#›</a:t>
             </a:fld>
             <a:endParaRPr lang="nl-BE"/>
           </a:p>
@@ -2118,7 +2213,7 @@
           <a:p>
             <a:fld id="{6F0DA8BB-0D18-469F-8022-DD923457DE3A}" type="datetimeFigureOut">
               <a:rPr lang="nl-BE" smtClean="0"/>
-              <a:t>16/04/2009</a:t>
+              <a:t>15/02/2017</a:t>
             </a:fld>
             <a:endParaRPr lang="nl-BE"/>
           </a:p>
@@ -2160,7 +2255,7 @@
           <a:p>
             <a:fld id="{B5274F97-0F13-42E5-9A1D-07478243785D}" type="slidenum">
               <a:rPr lang="nl-BE" smtClean="0"/>
-              <a:t>?#?</a:t>
+              <a:t>‹#›</a:t>
             </a:fld>
             <a:endParaRPr lang="nl-BE"/>
           </a:p>
@@ -2366,7 +2461,7 @@
           <a:p>
             <a:fld id="{6F0DA8BB-0D18-469F-8022-DD923457DE3A}" type="datetimeFigureOut">
               <a:rPr lang="nl-BE" smtClean="0"/>
-              <a:t>16/04/2009</a:t>
+              <a:t>15/02/2017</a:t>
             </a:fld>
             <a:endParaRPr lang="nl-BE"/>
           </a:p>
@@ -2408,7 +2503,7 @@
           <a:p>
             <a:fld id="{B5274F97-0F13-42E5-9A1D-07478243785D}" type="slidenum">
               <a:rPr lang="nl-BE" smtClean="0"/>
-              <a:t>?#?</a:t>
+              <a:t>‹#›</a:t>
             </a:fld>
             <a:endParaRPr lang="nl-BE"/>
           </a:p>
@@ -2574,7 +2669,7 @@
           <a:p>
             <a:fld id="{C6430DBB-9FD5-43E7-88F1-55A569E9525E}" type="datetimeFigureOut">
               <a:rPr lang="nl-BE" smtClean="0"/>
-              <a:t>16/04/2009</a:t>
+              <a:t>15/02/2017</a:t>
             </a:fld>
             <a:endParaRPr lang="nl-BE"/>
           </a:p>
@@ -2652,7 +2747,7 @@
           <a:p>
             <a:fld id="{EE336665-E7E9-4861-9ADF-F11A47CBAD79}" type="slidenum">
               <a:rPr lang="nl-BE" smtClean="0"/>
-              <a:t>&lt;#&gt;</a:t>
+              <a:t>‹#›</a:t>
             </a:fld>
             <a:endParaRPr lang="nl-BE"/>
           </a:p>
@@ -2946,7 +3041,7 @@
       </p:grpSpPr>
       <p:pic>
         <p:nvPicPr>
-          <p:cNvPr id="1" name="Background" descr="Background"/>
+          <p:cNvPr id="4" name="Background" descr="Background"/>
           <p:cNvPicPr>
             <a:picLocks noChangeAspect="1"/>
           </p:cNvPicPr>
@@ -2959,7 +3054,7 @@
           </a:stretch>
         </p:blipFill>
         <p:spPr>
-          <a:xfrm rot="0">
+          <a:xfrm>
             <a:off x="0" y="0"/>
             <a:ext cx="9134475" cy="6858000"/>
           </a:xfrm>
@@ -2983,7 +3078,7 @@
           </a:stretch>
         </p:blipFill>
         <p:spPr>
-          <a:xfrm rot="0">
+          <a:xfrm>
             <a:off x="95250" y="6381750"/>
             <a:ext cx="2609850" cy="381000"/>
           </a:xfrm>
@@ -2992,49 +3087,6 @@
           </a:prstGeom>
         </p:spPr>
       </p:pic>
-      <p:sp>
-        <p:nvSpPr>
-          <p:cNvPr id="3" name=""/>
-          <p:cNvSpPr txBox="1"/>
-          <p:nvPr/>
-        </p:nvSpPr>
-        <p:spPr>
-          <a:xfrm rot="0">
-            <a:off x="95250" y="3810000"/>
-            <a:ext cx="5715000" cy="1905000"/>
-          </a:xfrm>
-          <a:prstGeom prst="rect"/>
-          <a:noFill/>
-        </p:spPr>
-        <p:txBody>
-          <a:bodyPr wrap="square" rtlCol="0">
-            <a:spAutoFit/>
-          </a:bodyPr>
-          <a:lstStyle/>
-          <a:p>
-            <a:pPr algn="l" fontAlgn="base" indent="0" lvl="0"/>
-            <a:r>
-              <a:rPr b="true" i="false" strike="noStrike" sz="2800" u="none">
-                <a:solidFill>
-                  <a:srgbClr val="FFFFFF"/>
-                </a:solidFill>
-                <a:latin typeface="Calibri"/>
-              </a:rPr>
-              <a:t>Introduction to</a:t>
-            </a:r>
-            <a:br/>
-            <a:r>
-              <a:rPr b="true" i="false" strike="noStrike" sz="6000" u="none">
-                <a:solidFill>
-                  <a:srgbClr val="FFFFFF"/>
-                </a:solidFill>
-                <a:latin typeface="Calibri"/>
-              </a:rPr>
-              <a:t>PHPPowerPoint</a:t>
-            </a:r>
-          </a:p>
-        </p:txBody>
-      </p:sp>
     </p:spTree>
   </p:cSld>
   <p:clrMapOvr>
@@ -3062,7 +3114,7 @@
       </p:grpSpPr>
       <p:pic>
         <p:nvPicPr>
-          <p:cNvPr id="1" name="Background" descr="Background"/>
+          <p:cNvPr id="5" name="Background" descr="Background"/>
           <p:cNvPicPr>
             <a:picLocks noChangeAspect="1"/>
           </p:cNvPicPr>
@@ -3075,7 +3127,7 @@
           </a:stretch>
         </p:blipFill>
         <p:spPr>
-          <a:xfrm rot="0">
+          <a:xfrm>
             <a:off x="0" y="0"/>
             <a:ext cx="9134475" cy="6858000"/>
           </a:xfrm>
@@ -3099,7 +3151,7 @@
           </a:stretch>
         </p:blipFill>
         <p:spPr>
-          <a:xfrm rot="0">
+          <a:xfrm>
             <a:off x="95250" y="6381750"/>
             <a:ext cx="2609850" cy="381000"/>
           </a:xfrm>
@@ -3108,102 +3160,6 @@
           </a:prstGeom>
         </p:spPr>
       </p:pic>
-      <p:sp>
-        <p:nvSpPr>
-          <p:cNvPr id="3" name=""/>
-          <p:cNvSpPr txBox="1"/>
-          <p:nvPr/>
-        </p:nvSpPr>
-        <p:spPr>
-          <a:xfrm rot="0">
-            <a:off x="95250" y="95250"/>
-            <a:ext cx="8858250" cy="952500"/>
-          </a:xfrm>
-          <a:prstGeom prst="rect"/>
-          <a:noFill/>
-        </p:spPr>
-        <p:txBody>
-          <a:bodyPr wrap="square" rtlCol="0">
-            <a:spAutoFit/>
-          </a:bodyPr>
-          <a:lstStyle/>
-          <a:p>
-            <a:pPr algn="l" fontAlgn="base" indent="0" lvl="0"/>
-            <a:r>
-              <a:rPr b="true" i="false" strike="noStrike" sz="4800" u="none">
-                <a:solidFill>
-                  <a:srgbClr val="FFFFFF"/>
-                </a:solidFill>
-                <a:latin typeface="Calibri"/>
-              </a:rPr>
-              <a:t>What is PHPPowerPoint?</a:t>
-            </a:r>
-          </a:p>
-        </p:txBody>
-      </p:sp>
-      <p:sp>
-        <p:nvSpPr>
-          <p:cNvPr id="4" name=""/>
-          <p:cNvSpPr txBox="1"/>
-          <p:nvPr/>
-        </p:nvSpPr>
-        <p:spPr>
-          <a:xfrm rot="0">
-            <a:off x="95250" y="952500"/>
-            <a:ext cx="8858250" cy="5715000"/>
-          </a:xfrm>
-          <a:prstGeom prst="rect"/>
-          <a:noFill/>
-        </p:spPr>
-        <p:txBody>
-          <a:bodyPr wrap="square" rtlCol="0">
-            <a:spAutoFit/>
-          </a:bodyPr>
-          <a:lstStyle/>
-          <a:p>
-            <a:pPr algn="l" fontAlgn="base" indent="0" lvl="0"/>
-            <a:r>
-              <a:rPr b="false" i="false" strike="noStrike" sz="3600" u="none">
-                <a:solidFill>
-                  <a:srgbClr val="FFFFFF"/>
-                </a:solidFill>
-                <a:latin typeface="Calibri"/>
-              </a:rPr>
-              <a:t>- A class library</a:t>
-            </a:r>
-            <a:br/>
-            <a:r>
-              <a:rPr b="false" i="false" strike="noStrike" sz="3600" u="none">
-                <a:solidFill>
-                  <a:srgbClr val="FFFFFF"/>
-                </a:solidFill>
-                <a:latin typeface="Calibri"/>
-              </a:rPr>
-              <a:t>- Written in PHP</a:t>
-            </a:r>
-            <a:br/>
-            <a:r>
-              <a:rPr b="false" i="false" strike="noStrike" sz="3600" u="none">
-                <a:solidFill>
-                  <a:srgbClr val="FFFFFF"/>
-                </a:solidFill>
-                <a:latin typeface="Calibri"/>
-              </a:rPr>
-              <a:t>- Representing a presentation</a:t>
-            </a:r>
-            <a:br/>
-            <a:r>
-              <a:rPr b="false" i="false" strike="noStrike" sz="3600" u="none">
-                <a:solidFill>
-                  <a:srgbClr val="FFFFFF"/>
-                </a:solidFill>
-                <a:latin typeface="Calibri"/>
-              </a:rPr>
-              <a:t>- Supports writing to different file formats</a:t>
-            </a:r>
-          </a:p>
-        </p:txBody>
-      </p:sp>
     </p:spTree>
   </p:cSld>
   <p:clrMapOvr>
@@ -3231,7 +3187,7 @@
       </p:grpSpPr>
       <p:pic>
         <p:nvPicPr>
-          <p:cNvPr id="1" name="Background" descr="Background"/>
+          <p:cNvPr id="5" name="Background" descr="Background"/>
           <p:cNvPicPr>
             <a:picLocks noChangeAspect="1"/>
           </p:cNvPicPr>
@@ -3244,7 +3200,7 @@
           </a:stretch>
         </p:blipFill>
         <p:spPr>
-          <a:xfrm rot="0">
+          <a:xfrm>
             <a:off x="0" y="0"/>
             <a:ext cx="9134475" cy="6858000"/>
           </a:xfrm>
@@ -3268,7 +3224,7 @@
           </a:stretch>
         </p:blipFill>
         <p:spPr>
-          <a:xfrm rot="0">
+          <a:xfrm>
             <a:off x="95250" y="6381750"/>
             <a:ext cx="2609850" cy="381000"/>
           </a:xfrm>
@@ -3277,142 +3233,6 @@
           </a:prstGeom>
         </p:spPr>
       </p:pic>
-      <p:sp>
-        <p:nvSpPr>
-          <p:cNvPr id="3" name=""/>
-          <p:cNvSpPr txBox="1"/>
-          <p:nvPr/>
-        </p:nvSpPr>
-        <p:spPr>
-          <a:xfrm rot="0">
-            <a:off x="95250" y="95250"/>
-            <a:ext cx="8858250" cy="952500"/>
-          </a:xfrm>
-          <a:prstGeom prst="rect"/>
-          <a:noFill/>
-        </p:spPr>
-        <p:txBody>
-          <a:bodyPr wrap="square" rtlCol="0">
-            <a:spAutoFit/>
-          </a:bodyPr>
-          <a:lstStyle/>
-          <a:p>
-            <a:pPr algn="l" fontAlgn="base" indent="0" lvl="0"/>
-            <a:r>
-              <a:rPr b="true" i="false" strike="noStrike" sz="4800" u="none">
-                <a:solidFill>
-                  <a:srgbClr val="FFFFFF"/>
-                </a:solidFill>
-                <a:latin typeface="Calibri"/>
-              </a:rPr>
-              <a:t>What's the point?</a:t>
-            </a:r>
-          </a:p>
-        </p:txBody>
-      </p:sp>
-      <p:sp>
-        <p:nvSpPr>
-          <p:cNvPr id="4" name=""/>
-          <p:cNvSpPr txBox="1"/>
-          <p:nvPr/>
-        </p:nvSpPr>
-        <p:spPr>
-          <a:xfrm rot="0">
-            <a:off x="95250" y="952500"/>
-            <a:ext cx="8858250" cy="5715000"/>
-          </a:xfrm>
-          <a:prstGeom prst="rect"/>
-          <a:noFill/>
-        </p:spPr>
-        <p:txBody>
-          <a:bodyPr wrap="square" rtlCol="0">
-            <a:spAutoFit/>
-          </a:bodyPr>
-          <a:lstStyle/>
-          <a:p>
-            <a:pPr algn="l" fontAlgn="base" indent="0" lvl="0"/>
-            <a:r>
-              <a:rPr b="false" i="false" strike="noStrike" sz="3600" u="none">
-                <a:solidFill>
-                  <a:srgbClr val="FFFFFF"/>
-                </a:solidFill>
-                <a:latin typeface="Calibri"/>
-              </a:rPr>
-              <a:t>- Generate slide decks</a:t>
-            </a:r>
-            <a:br/>
-            <a:r>
-              <a:rPr b="false" i="false" strike="noStrike" sz="2800" u="none">
-                <a:solidFill>
-                  <a:srgbClr val="FFFFFF"/>
-                </a:solidFill>
-                <a:latin typeface="Calibri"/>
-              </a:rPr>
-              <a:t>    - Represent business data</a:t>
-            </a:r>
-            <a:br/>
-            <a:r>
-              <a:rPr b="false" i="false" strike="noStrike" sz="2800" u="none">
-                <a:solidFill>
-                  <a:srgbClr val="FFFFFF"/>
-                </a:solidFill>
-                <a:latin typeface="Calibri"/>
-              </a:rPr>
-              <a:t>    - Show a family slide show</a:t>
-            </a:r>
-            <a:br/>
-            <a:r>
-              <a:rPr b="false" i="false" strike="noStrike" sz="2800" u="none">
-                <a:solidFill>
-                  <a:srgbClr val="FFFFFF"/>
-                </a:solidFill>
-                <a:latin typeface="Calibri"/>
-              </a:rPr>
-              <a:t>    - ...</a:t>
-            </a:r>
-            <a:br/>
-            <a:r>
-              <a:rPr b="false" i="false" strike="noStrike" sz="3600" u="none">
-                <a:solidFill>
-                  <a:srgbClr val="FFFFFF"/>
-                </a:solidFill>
-                <a:latin typeface="Calibri"/>
-              </a:rPr>
-              <a:t>- Export these to different formats</a:t>
-            </a:r>
-            <a:br/>
-            <a:r>
-              <a:rPr b="false" i="false" strike="noStrike" sz="2800" u="none">
-                <a:solidFill>
-                  <a:srgbClr val="FFFFFF"/>
-                </a:solidFill>
-                <a:latin typeface="Calibri"/>
-              </a:rPr>
-              <a:t>    - PowerPoint 2007</a:t>
-            </a:r>
-            <a:br/>
-            <a:r>
-              <a:rPr b="false" i="false" strike="noStrike" sz="2800" u="none">
-                <a:solidFill>
-                  <a:srgbClr val="FFFFFF"/>
-                </a:solidFill>
-                <a:latin typeface="Calibri"/>
-              </a:rPr>
-              <a:t>    - Serialized</a:t>
-            </a:r>
-            <a:br/>
-            <a:r>
-              <a:rPr b="false" i="false" strike="noStrike" sz="2800" u="none">
-                <a:solidFill>
-                  <a:srgbClr val="FFFFFF"/>
-                </a:solidFill>
-                <a:latin typeface="Calibri"/>
-              </a:rPr>
-              <a:t>    - ... (more to come) ...</a:t>
-            </a:r>
-          </a:p>
-        </p:txBody>
-      </p:sp>
     </p:spTree>
   </p:cSld>
   <p:clrMapOvr>
@@ -3440,7 +3260,7 @@
       </p:grpSpPr>
       <p:pic>
         <p:nvPicPr>
-          <p:cNvPr id="1" name="Background" descr="Background"/>
+          <p:cNvPr id="5" name="Background" descr="Background"/>
           <p:cNvPicPr>
             <a:picLocks noChangeAspect="1"/>
           </p:cNvPicPr>
@@ -3453,7 +3273,7 @@
           </a:stretch>
         </p:blipFill>
         <p:spPr>
-          <a:xfrm rot="0">
+          <a:xfrm>
             <a:off x="0" y="0"/>
             <a:ext cx="9134475" cy="6858000"/>
           </a:xfrm>
@@ -3477,7 +3297,7 @@
           </a:stretch>
         </p:blipFill>
         <p:spPr>
-          <a:xfrm rot="0">
+          <a:xfrm>
             <a:off x="95250" y="6381750"/>
             <a:ext cx="2609850" cy="381000"/>
           </a:xfrm>
@@ -3486,82 +3306,6 @@
           </a:prstGeom>
         </p:spPr>
       </p:pic>
-      <p:sp>
-        <p:nvSpPr>
-          <p:cNvPr id="3" name=""/>
-          <p:cNvSpPr txBox="1"/>
-          <p:nvPr/>
-        </p:nvSpPr>
-        <p:spPr>
-          <a:xfrm rot="0">
-            <a:off x="95250" y="95250"/>
-            <a:ext cx="8858250" cy="952500"/>
-          </a:xfrm>
-          <a:prstGeom prst="rect"/>
-          <a:noFill/>
-        </p:spPr>
-        <p:txBody>
-          <a:bodyPr wrap="square" rtlCol="0">
-            <a:spAutoFit/>
-          </a:bodyPr>
-          <a:lstStyle/>
-          <a:p>
-            <a:pPr algn="l" fontAlgn="base" indent="0" lvl="0"/>
-            <a:r>
-              <a:rPr b="true" i="false" strike="noStrike" sz="4800" u="none">
-                <a:solidFill>
-                  <a:srgbClr val="FFFFFF"/>
-                </a:solidFill>
-                <a:latin typeface="Calibri"/>
-              </a:rPr>
-              <a:t>Need more info?</a:t>
-            </a:r>
-          </a:p>
-        </p:txBody>
-      </p:sp>
-      <p:sp>
-        <p:nvSpPr>
-          <p:cNvPr id="4" name=""/>
-          <p:cNvSpPr txBox="1"/>
-          <p:nvPr/>
-        </p:nvSpPr>
-        <p:spPr>
-          <a:xfrm rot="0">
-            <a:off x="95250" y="952500"/>
-            <a:ext cx="8858250" cy="5715000"/>
-          </a:xfrm>
-          <a:prstGeom prst="rect"/>
-          <a:noFill/>
-        </p:spPr>
-        <p:txBody>
-          <a:bodyPr wrap="square" rtlCol="0">
-            <a:spAutoFit/>
-          </a:bodyPr>
-          <a:lstStyle/>
-          <a:p>
-            <a:pPr algn="l" fontAlgn="base" indent="0" lvl="0"/>
-            <a:r>
-              <a:rPr b="false" i="false" strike="noStrike" sz="3600" u="none">
-                <a:solidFill>
-                  <a:srgbClr val="FFFFFF"/>
-                </a:solidFill>
-                <a:latin typeface="Calibri"/>
-              </a:rPr>
-              <a:t>Check the project site on CodePlex:</a:t>
-            </a:r>
-            <a:br/>
-            <a:r>
-              <a:rPr b="false" i="false" strike="noStrike" sz="3600" u="none">
-                <a:solidFill>
-                  <a:srgbClr val="FFFFFF"/>
-                </a:solidFill>
-                <a:latin typeface="Calibri"/>
-              </a:rPr>
-              <a:t>    http://phppowerpoint.codeplex.com</a:t>
-            </a:r>
-          </a:p>
-        </p:txBody>
-      </p:sp>
     </p:spTree>
   </p:cSld>
   <p:clrMapOvr>
@@ -3589,7 +3333,7 @@
       </p:grpSpPr>
       <p:pic>
         <p:nvPicPr>
-          <p:cNvPr id="1" name="Background" descr="Background"/>
+          <p:cNvPr id="3" name="Background" descr="Background"/>
           <p:cNvPicPr>
             <a:picLocks noChangeAspect="1"/>
           </p:cNvPicPr>
@@ -3602,7 +3346,7 @@
           </a:stretch>
         </p:blipFill>
         <p:spPr>
-          <a:xfrm rot="0">
+          <a:xfrm>
             <a:off x="0" y="0"/>
             <a:ext cx="9134475" cy="6858000"/>
           </a:xfrm>
@@ -3626,7 +3370,7 @@
           </a:stretch>
         </p:blipFill>
         <p:spPr>
-          <a:xfrm rot="0">
+          <a:xfrm>
             <a:off x="95250" y="6381750"/>
             <a:ext cx="2609850" cy="381000"/>
           </a:xfrm>
